--- a/1110_2nd_team_project_submitted/2021110_돌체라떼 최종발표본.pptx
+++ b/1110_2nd_team_project_submitted/2021110_돌체라떼 최종발표본.pptx
@@ -289,7 +289,7 @@
           <a:p>
             <a:fld id="{2692A08C-EF94-4A6B-BD12-6461CB40CEE6}" type="datetimeFigureOut">
               <a:rPr lang="ko-KR" altLang="en-US" smtClean="0"/>
-              <a:t>2021-11-10</a:t>
+              <a:t>2021-11-11</a:t>
             </a:fld>
             <a:endParaRPr lang="ko-KR" altLang="en-US"/>
           </a:p>
@@ -487,7 +487,7 @@
           <a:p>
             <a:fld id="{2692A08C-EF94-4A6B-BD12-6461CB40CEE6}" type="datetimeFigureOut">
               <a:rPr lang="ko-KR" altLang="en-US" smtClean="0"/>
-              <a:t>2021-11-10</a:t>
+              <a:t>2021-11-11</a:t>
             </a:fld>
             <a:endParaRPr lang="ko-KR" altLang="en-US"/>
           </a:p>
@@ -695,7 +695,7 @@
           <a:p>
             <a:fld id="{2692A08C-EF94-4A6B-BD12-6461CB40CEE6}" type="datetimeFigureOut">
               <a:rPr lang="ko-KR" altLang="en-US" smtClean="0"/>
-              <a:t>2021-11-10</a:t>
+              <a:t>2021-11-11</a:t>
             </a:fld>
             <a:endParaRPr lang="ko-KR" altLang="en-US"/>
           </a:p>
@@ -893,7 +893,7 @@
           <a:p>
             <a:fld id="{2692A08C-EF94-4A6B-BD12-6461CB40CEE6}" type="datetimeFigureOut">
               <a:rPr lang="ko-KR" altLang="en-US" smtClean="0"/>
-              <a:t>2021-11-10</a:t>
+              <a:t>2021-11-11</a:t>
             </a:fld>
             <a:endParaRPr lang="ko-KR" altLang="en-US"/>
           </a:p>
@@ -1168,7 +1168,7 @@
           <a:p>
             <a:fld id="{2692A08C-EF94-4A6B-BD12-6461CB40CEE6}" type="datetimeFigureOut">
               <a:rPr lang="ko-KR" altLang="en-US" smtClean="0"/>
-              <a:t>2021-11-10</a:t>
+              <a:t>2021-11-11</a:t>
             </a:fld>
             <a:endParaRPr lang="ko-KR" altLang="en-US"/>
           </a:p>
@@ -1433,7 +1433,7 @@
           <a:p>
             <a:fld id="{2692A08C-EF94-4A6B-BD12-6461CB40CEE6}" type="datetimeFigureOut">
               <a:rPr lang="ko-KR" altLang="en-US" smtClean="0"/>
-              <a:t>2021-11-10</a:t>
+              <a:t>2021-11-11</a:t>
             </a:fld>
             <a:endParaRPr lang="ko-KR" altLang="en-US"/>
           </a:p>
@@ -1845,7 +1845,7 @@
           <a:p>
             <a:fld id="{2692A08C-EF94-4A6B-BD12-6461CB40CEE6}" type="datetimeFigureOut">
               <a:rPr lang="ko-KR" altLang="en-US" smtClean="0"/>
-              <a:t>2021-11-10</a:t>
+              <a:t>2021-11-11</a:t>
             </a:fld>
             <a:endParaRPr lang="ko-KR" altLang="en-US"/>
           </a:p>
@@ -1986,7 +1986,7 @@
           <a:p>
             <a:fld id="{2692A08C-EF94-4A6B-BD12-6461CB40CEE6}" type="datetimeFigureOut">
               <a:rPr lang="ko-KR" altLang="en-US" smtClean="0"/>
-              <a:t>2021-11-10</a:t>
+              <a:t>2021-11-11</a:t>
             </a:fld>
             <a:endParaRPr lang="ko-KR" altLang="en-US"/>
           </a:p>
@@ -2188,7 +2188,7 @@
           <a:p>
             <a:fld id="{2692A08C-EF94-4A6B-BD12-6461CB40CEE6}" type="datetimeFigureOut">
               <a:rPr lang="ko-KR" altLang="en-US" smtClean="0"/>
-              <a:t>2021-11-10</a:t>
+              <a:t>2021-11-11</a:t>
             </a:fld>
             <a:endParaRPr lang="ko-KR" altLang="en-US"/>
           </a:p>
@@ -2499,7 +2499,7 @@
           <a:p>
             <a:fld id="{2692A08C-EF94-4A6B-BD12-6461CB40CEE6}" type="datetimeFigureOut">
               <a:rPr lang="ko-KR" altLang="en-US" smtClean="0"/>
-              <a:t>2021-11-10</a:t>
+              <a:t>2021-11-11</a:t>
             </a:fld>
             <a:endParaRPr lang="ko-KR" altLang="en-US"/>
           </a:p>
@@ -2787,7 +2787,7 @@
           <a:p>
             <a:fld id="{2692A08C-EF94-4A6B-BD12-6461CB40CEE6}" type="datetimeFigureOut">
               <a:rPr lang="ko-KR" altLang="en-US" smtClean="0"/>
-              <a:t>2021-11-10</a:t>
+              <a:t>2021-11-11</a:t>
             </a:fld>
             <a:endParaRPr lang="ko-KR" altLang="en-US"/>
           </a:p>
@@ -3028,7 +3028,7 @@
           <a:p>
             <a:fld id="{2692A08C-EF94-4A6B-BD12-6461CB40CEE6}" type="datetimeFigureOut">
               <a:rPr lang="ko-KR" altLang="en-US" smtClean="0"/>
-              <a:t>2021-11-10</a:t>
+              <a:t>2021-11-11</a:t>
             </a:fld>
             <a:endParaRPr lang="ko-KR" altLang="en-US"/>
           </a:p>
@@ -4428,7 +4428,7 @@
             </a:endParaRPr>
           </a:p>
           <a:p>
-            <a:pPr marL="0" marR="0" lvl="0" indent="0" algn="l" defTabSz="914400" rtl="0" eaLnBrk="0" fontAlgn="base" latinLnBrk="0" hangingPunct="0">
+            <a:pPr marL="285750" marR="0" lvl="0" indent="-285750" algn="l" defTabSz="914400" rtl="0" eaLnBrk="0" fontAlgn="base" latinLnBrk="0" hangingPunct="0">
               <a:lnSpc>
                 <a:spcPct val="100000"/>
               </a:lnSpc>
@@ -4440,7 +4440,7 @@
               </a:spcAft>
               <a:buClrTx/>
               <a:buSzTx/>
-              <a:buFontTx/>
+              <a:buFont typeface="Arial" panose="020B0604020202020204" pitchFamily="34" charset="0"/>
               <a:buChar char="•"/>
               <a:tabLst/>
             </a:pPr>
@@ -4800,7 +4800,7 @@
             </a:endParaRPr>
           </a:p>
           <a:p>
-            <a:pPr marL="0" marR="0" lvl="0" indent="0" algn="l" defTabSz="914400" rtl="0" eaLnBrk="0" fontAlgn="base" latinLnBrk="0" hangingPunct="0">
+            <a:pPr marL="285750" marR="0" lvl="0" indent="-285750" algn="l" defTabSz="914400" rtl="0" eaLnBrk="0" fontAlgn="base" latinLnBrk="0" hangingPunct="0">
               <a:lnSpc>
                 <a:spcPct val="100000"/>
               </a:lnSpc>
@@ -4812,7 +4812,7 @@
               </a:spcAft>
               <a:buClrTx/>
               <a:buSzTx/>
-              <a:buFontTx/>
+              <a:buFont typeface="Arial" panose="020B0604020202020204" pitchFamily="34" charset="0"/>
               <a:buChar char="•"/>
               <a:tabLst/>
             </a:pPr>
@@ -6602,7 +6602,7 @@
             </a:r>
           </a:p>
           <a:p>
-            <a:pPr marL="285750" marR="0" lvl="0" indent="-285750" algn="l" defTabSz="914400" rtl="0" eaLnBrk="0" fontAlgn="base" latinLnBrk="0" hangingPunct="0">
+            <a:pPr marR="0" lvl="0" algn="l" defTabSz="914400" rtl="0" eaLnBrk="0" fontAlgn="base" latinLnBrk="0" hangingPunct="0">
               <a:lnSpc>
                 <a:spcPct val="100000"/>
               </a:lnSpc>
@@ -6614,8 +6614,6 @@
               </a:spcAft>
               <a:buClrTx/>
               <a:buSzTx/>
-              <a:buFont typeface="Arial" panose="020B0604020202020204" pitchFamily="34" charset="0"/>
-              <a:buChar char="•"/>
               <a:tabLst/>
             </a:pPr>
             <a:r>
@@ -10227,10 +10225,10 @@
           </a:bodyPr>
           <a:lstStyle/>
           <a:p>
-            <a:r>
-              <a:rPr lang="en-US" altLang="ko-KR" sz="3300" dirty="0"/>
-              <a:t>(1)</a:t>
-            </a:r>
+            <a:pPr marL="514350" indent="-514350">
+              <a:buFont typeface="+mj-lt"/>
+              <a:buAutoNum type="arabicPeriod"/>
+            </a:pPr>
             <a:r>
               <a:rPr lang="ko-KR" altLang="en-US" sz="3300" dirty="0"/>
               <a:t>원본 </a:t>
@@ -10257,16 +10255,24 @@
             </a:r>
           </a:p>
           <a:p>
+            <a:pPr marL="514350" indent="-514350">
+              <a:buFont typeface="+mj-lt"/>
+              <a:buAutoNum type="arabicPeriod"/>
+            </a:pPr>
             <a:endParaRPr lang="en-US" altLang="ko-KR" sz="3300" dirty="0"/>
           </a:p>
           <a:p>
+            <a:pPr marL="514350" indent="-514350">
+              <a:buFont typeface="+mj-lt"/>
+              <a:buAutoNum type="arabicPeriod"/>
+            </a:pPr>
             <a:endParaRPr lang="en-US" altLang="ko-KR" sz="3300" dirty="0"/>
           </a:p>
           <a:p>
-            <a:r>
-              <a:rPr lang="en-US" altLang="ko-KR" sz="3300" dirty="0"/>
-              <a:t>(2)</a:t>
-            </a:r>
+            <a:pPr marL="514350" indent="-514350">
+              <a:buFont typeface="+mj-lt"/>
+              <a:buAutoNum type="arabicPeriod"/>
+            </a:pPr>
             <a:r>
               <a:rPr lang="ko-KR" altLang="en-US" sz="3300" dirty="0"/>
               <a:t>각 모델마다 </a:t>
@@ -10293,16 +10299,24 @@
             </a:r>
           </a:p>
           <a:p>
+            <a:pPr marL="514350" indent="-514350">
+              <a:buFont typeface="+mj-lt"/>
+              <a:buAutoNum type="arabicPeriod"/>
+            </a:pPr>
             <a:endParaRPr lang="en-US" altLang="ko-KR" sz="3300" dirty="0"/>
           </a:p>
           <a:p>
+            <a:pPr marL="514350" indent="-514350">
+              <a:buFont typeface="+mj-lt"/>
+              <a:buAutoNum type="arabicPeriod"/>
+            </a:pPr>
             <a:endParaRPr lang="en-US" altLang="ko-KR" sz="3300" dirty="0"/>
           </a:p>
           <a:p>
-            <a:r>
-              <a:rPr lang="en-US" altLang="ko-KR" sz="3300" dirty="0"/>
-              <a:t>(3)</a:t>
-            </a:r>
+            <a:pPr marL="514350" indent="-514350">
+              <a:buFont typeface="+mj-lt"/>
+              <a:buAutoNum type="arabicPeriod"/>
+            </a:pPr>
             <a:r>
               <a:rPr lang="ko-KR" altLang="en-US" sz="3300" dirty="0"/>
               <a:t>이 </a:t>
@@ -16055,7 +16069,7 @@
           </a:bodyPr>
           <a:lstStyle/>
           <a:p>
-            <a:pPr>
+            <a:pPr marL="285750" indent="-285750">
               <a:buFont typeface="Arial" panose="020B0604020202020204" pitchFamily="34" charset="0"/>
               <a:buChar char="•"/>
             </a:pPr>
@@ -16081,7 +16095,7 @@
             </a:pPr>
             <a:r>
               <a:rPr lang="ko-KR" altLang="en-US" dirty="0"/>
-              <a:t>외부데이터 전 처리 및 특성 구하기 </a:t>
+              <a:t>외부데이터 수집 및 가공 </a:t>
             </a:r>
             <a:r>
               <a:rPr lang="en-US" altLang="ko-KR" dirty="0"/>
@@ -16136,7 +16150,7 @@
           </a:bodyPr>
           <a:lstStyle/>
           <a:p>
-            <a:pPr>
+            <a:pPr marL="285750" indent="-285750">
               <a:buFont typeface="Arial" panose="020B0604020202020204" pitchFamily="34" charset="0"/>
               <a:buChar char="•"/>
             </a:pPr>
@@ -16180,7 +16194,7 @@
             </a:pPr>
             <a:r>
               <a:rPr lang="ko-KR" altLang="en-US" dirty="0"/>
-              <a:t>외부데이터 전 처리 및 특성 구하기 </a:t>
+              <a:t>외부데이터 수집 및 가공 </a:t>
             </a:r>
             <a:r>
               <a:rPr lang="en-US" altLang="ko-KR" dirty="0"/>
@@ -17047,7 +17061,7 @@
         <p:spPr>
           <a:xfrm>
             <a:off x="2090177" y="4793328"/>
-            <a:ext cx="9932694" cy="1631216"/>
+            <a:ext cx="9932694" cy="1615827"/>
           </a:xfrm>
           <a:prstGeom prst="rect">
             <a:avLst/>
@@ -20687,7 +20701,7 @@
         </p:nvSpPr>
         <p:spPr bwMode="auto">
           <a:xfrm>
-            <a:off x="615770" y="1425310"/>
+            <a:off x="476070" y="1206388"/>
             <a:ext cx="11125559" cy="5832366"/>
           </a:xfrm>
           <a:prstGeom prst="rect">
